--- a/Results/fields/circfields.pptx
+++ b/Results/fields/circfields.pptx
@@ -159,10 +159,9 @@
           </a:lstStyle>
           <a:p>
             <a:r>
-              <a:rPr lang="fr-FR" smtClean="0"/>
+              <a:rPr lang="fr-FR"/>
               <a:t>Modifiez le style du titre</a:t>
             </a:r>
-            <a:endParaRPr lang="fr-FR"/>
           </a:p>
         </p:txBody>
       </p:sp>
@@ -224,10 +223,9 @@
           </a:lstStyle>
           <a:p>
             <a:r>
-              <a:rPr lang="fr-FR" smtClean="0"/>
+              <a:rPr lang="fr-FR"/>
               <a:t>Modifier le style des sous-titres du masque</a:t>
             </a:r>
-            <a:endParaRPr lang="fr-FR"/>
           </a:p>
         </p:txBody>
       </p:sp>
@@ -248,7 +246,7 @@
           <a:p>
             <a:fld id="{8444DC98-2940-4FA3-A7AA-7B457F1FCBF6}" type="datetimeFigureOut">
               <a:rPr lang="fr-FR" smtClean="0"/>
-              <a:t>03/04/2023</a:t>
+              <a:t>04/07/2023</a:t>
             </a:fld>
             <a:endParaRPr lang="fr-FR"/>
           </a:p>
@@ -290,7 +288,7 @@
           <a:p>
             <a:fld id="{B5AC85E1-3364-4576-8CA6-72A7B8B669EA}" type="slidenum">
               <a:rPr lang="fr-FR" smtClean="0"/>
-              <a:t>‹N°›</a:t>
+              <a:t>‹#›</a:t>
             </a:fld>
             <a:endParaRPr lang="fr-FR"/>
           </a:p>
@@ -342,10 +340,9 @@
           <a:lstStyle/>
           <a:p>
             <a:r>
-              <a:rPr lang="fr-FR" smtClean="0"/>
+              <a:rPr lang="fr-FR"/>
               <a:t>Modifiez le style du titre</a:t>
             </a:r>
-            <a:endParaRPr lang="fr-FR"/>
           </a:p>
         </p:txBody>
       </p:sp>
@@ -366,38 +363,37 @@
           <a:p>
             <a:pPr lvl="0"/>
             <a:r>
-              <a:rPr lang="fr-FR" smtClean="0"/>
+              <a:rPr lang="fr-FR"/>
               <a:t>Modifier les styles du texte du masque</a:t>
             </a:r>
           </a:p>
           <a:p>
             <a:pPr lvl="1"/>
             <a:r>
-              <a:rPr lang="fr-FR" smtClean="0"/>
+              <a:rPr lang="fr-FR"/>
               <a:t>Deuxième niveau</a:t>
             </a:r>
           </a:p>
           <a:p>
             <a:pPr lvl="2"/>
             <a:r>
-              <a:rPr lang="fr-FR" smtClean="0"/>
+              <a:rPr lang="fr-FR"/>
               <a:t>Troisième niveau</a:t>
             </a:r>
           </a:p>
           <a:p>
             <a:pPr lvl="3"/>
             <a:r>
-              <a:rPr lang="fr-FR" smtClean="0"/>
+              <a:rPr lang="fr-FR"/>
               <a:t>Quatrième niveau</a:t>
             </a:r>
           </a:p>
           <a:p>
             <a:pPr lvl="4"/>
             <a:r>
-              <a:rPr lang="fr-FR" smtClean="0"/>
+              <a:rPr lang="fr-FR"/>
               <a:t>Cinquième niveau</a:t>
             </a:r>
-            <a:endParaRPr lang="fr-FR"/>
           </a:p>
         </p:txBody>
       </p:sp>
@@ -418,7 +414,7 @@
           <a:p>
             <a:fld id="{8444DC98-2940-4FA3-A7AA-7B457F1FCBF6}" type="datetimeFigureOut">
               <a:rPr lang="fr-FR" smtClean="0"/>
-              <a:t>03/04/2023</a:t>
+              <a:t>04/07/2023</a:t>
             </a:fld>
             <a:endParaRPr lang="fr-FR"/>
           </a:p>
@@ -460,7 +456,7 @@
           <a:p>
             <a:fld id="{B5AC85E1-3364-4576-8CA6-72A7B8B669EA}" type="slidenum">
               <a:rPr lang="fr-FR" smtClean="0"/>
-              <a:t>‹N°›</a:t>
+              <a:t>‹#›</a:t>
             </a:fld>
             <a:endParaRPr lang="fr-FR"/>
           </a:p>
@@ -517,10 +513,9 @@
           <a:lstStyle/>
           <a:p>
             <a:r>
-              <a:rPr lang="fr-FR" smtClean="0"/>
+              <a:rPr lang="fr-FR"/>
               <a:t>Modifiez le style du titre</a:t>
             </a:r>
-            <a:endParaRPr lang="fr-FR"/>
           </a:p>
         </p:txBody>
       </p:sp>
@@ -546,38 +541,37 @@
           <a:p>
             <a:pPr lvl="0"/>
             <a:r>
-              <a:rPr lang="fr-FR" smtClean="0"/>
+              <a:rPr lang="fr-FR"/>
               <a:t>Modifier les styles du texte du masque</a:t>
             </a:r>
           </a:p>
           <a:p>
             <a:pPr lvl="1"/>
             <a:r>
-              <a:rPr lang="fr-FR" smtClean="0"/>
+              <a:rPr lang="fr-FR"/>
               <a:t>Deuxième niveau</a:t>
             </a:r>
           </a:p>
           <a:p>
             <a:pPr lvl="2"/>
             <a:r>
-              <a:rPr lang="fr-FR" smtClean="0"/>
+              <a:rPr lang="fr-FR"/>
               <a:t>Troisième niveau</a:t>
             </a:r>
           </a:p>
           <a:p>
             <a:pPr lvl="3"/>
             <a:r>
-              <a:rPr lang="fr-FR" smtClean="0"/>
+              <a:rPr lang="fr-FR"/>
               <a:t>Quatrième niveau</a:t>
             </a:r>
           </a:p>
           <a:p>
             <a:pPr lvl="4"/>
             <a:r>
-              <a:rPr lang="fr-FR" smtClean="0"/>
+              <a:rPr lang="fr-FR"/>
               <a:t>Cinquième niveau</a:t>
             </a:r>
-            <a:endParaRPr lang="fr-FR"/>
           </a:p>
         </p:txBody>
       </p:sp>
@@ -598,7 +592,7 @@
           <a:p>
             <a:fld id="{8444DC98-2940-4FA3-A7AA-7B457F1FCBF6}" type="datetimeFigureOut">
               <a:rPr lang="fr-FR" smtClean="0"/>
-              <a:t>03/04/2023</a:t>
+              <a:t>04/07/2023</a:t>
             </a:fld>
             <a:endParaRPr lang="fr-FR"/>
           </a:p>
@@ -640,7 +634,7 @@
           <a:p>
             <a:fld id="{B5AC85E1-3364-4576-8CA6-72A7B8B669EA}" type="slidenum">
               <a:rPr lang="fr-FR" smtClean="0"/>
-              <a:t>‹N°›</a:t>
+              <a:t>‹#›</a:t>
             </a:fld>
             <a:endParaRPr lang="fr-FR"/>
           </a:p>
@@ -692,10 +686,9 @@
           <a:lstStyle/>
           <a:p>
             <a:r>
-              <a:rPr lang="fr-FR" smtClean="0"/>
+              <a:rPr lang="fr-FR"/>
               <a:t>Modifiez le style du titre</a:t>
             </a:r>
-            <a:endParaRPr lang="fr-FR"/>
           </a:p>
         </p:txBody>
       </p:sp>
@@ -716,38 +709,37 @@
           <a:p>
             <a:pPr lvl="0"/>
             <a:r>
-              <a:rPr lang="fr-FR" smtClean="0"/>
+              <a:rPr lang="fr-FR"/>
               <a:t>Modifier les styles du texte du masque</a:t>
             </a:r>
           </a:p>
           <a:p>
             <a:pPr lvl="1"/>
             <a:r>
-              <a:rPr lang="fr-FR" smtClean="0"/>
+              <a:rPr lang="fr-FR"/>
               <a:t>Deuxième niveau</a:t>
             </a:r>
           </a:p>
           <a:p>
             <a:pPr lvl="2"/>
             <a:r>
-              <a:rPr lang="fr-FR" smtClean="0"/>
+              <a:rPr lang="fr-FR"/>
               <a:t>Troisième niveau</a:t>
             </a:r>
           </a:p>
           <a:p>
             <a:pPr lvl="3"/>
             <a:r>
-              <a:rPr lang="fr-FR" smtClean="0"/>
+              <a:rPr lang="fr-FR"/>
               <a:t>Quatrième niveau</a:t>
             </a:r>
           </a:p>
           <a:p>
             <a:pPr lvl="4"/>
             <a:r>
-              <a:rPr lang="fr-FR" smtClean="0"/>
+              <a:rPr lang="fr-FR"/>
               <a:t>Cinquième niveau</a:t>
             </a:r>
-            <a:endParaRPr lang="fr-FR"/>
           </a:p>
         </p:txBody>
       </p:sp>
@@ -768,7 +760,7 @@
           <a:p>
             <a:fld id="{8444DC98-2940-4FA3-A7AA-7B457F1FCBF6}" type="datetimeFigureOut">
               <a:rPr lang="fr-FR" smtClean="0"/>
-              <a:t>03/04/2023</a:t>
+              <a:t>04/07/2023</a:t>
             </a:fld>
             <a:endParaRPr lang="fr-FR"/>
           </a:p>
@@ -810,7 +802,7 @@
           <a:p>
             <a:fld id="{B5AC85E1-3364-4576-8CA6-72A7B8B669EA}" type="slidenum">
               <a:rPr lang="fr-FR" smtClean="0"/>
-              <a:t>‹N°›</a:t>
+              <a:t>‹#›</a:t>
             </a:fld>
             <a:endParaRPr lang="fr-FR"/>
           </a:p>
@@ -871,10 +863,9 @@
           </a:lstStyle>
           <a:p>
             <a:r>
-              <a:rPr lang="fr-FR" smtClean="0"/>
+              <a:rPr lang="fr-FR"/>
               <a:t>Modifiez le style du titre</a:t>
             </a:r>
-            <a:endParaRPr lang="fr-FR"/>
           </a:p>
         </p:txBody>
       </p:sp>
@@ -991,7 +982,7 @@
           <a:p>
             <a:pPr lvl="0"/>
             <a:r>
-              <a:rPr lang="fr-FR" smtClean="0"/>
+              <a:rPr lang="fr-FR"/>
               <a:t>Modifier les styles du texte du masque</a:t>
             </a:r>
           </a:p>
@@ -1014,7 +1005,7 @@
           <a:p>
             <a:fld id="{8444DC98-2940-4FA3-A7AA-7B457F1FCBF6}" type="datetimeFigureOut">
               <a:rPr lang="fr-FR" smtClean="0"/>
-              <a:t>03/04/2023</a:t>
+              <a:t>04/07/2023</a:t>
             </a:fld>
             <a:endParaRPr lang="fr-FR"/>
           </a:p>
@@ -1056,7 +1047,7 @@
           <a:p>
             <a:fld id="{B5AC85E1-3364-4576-8CA6-72A7B8B669EA}" type="slidenum">
               <a:rPr lang="fr-FR" smtClean="0"/>
-              <a:t>‹N°›</a:t>
+              <a:t>‹#›</a:t>
             </a:fld>
             <a:endParaRPr lang="fr-FR"/>
           </a:p>
@@ -1108,10 +1099,9 @@
           <a:lstStyle/>
           <a:p>
             <a:r>
-              <a:rPr lang="fr-FR" smtClean="0"/>
+              <a:rPr lang="fr-FR"/>
               <a:t>Modifiez le style du titre</a:t>
             </a:r>
-            <a:endParaRPr lang="fr-FR"/>
           </a:p>
         </p:txBody>
       </p:sp>
@@ -1137,38 +1127,37 @@
           <a:p>
             <a:pPr lvl="0"/>
             <a:r>
-              <a:rPr lang="fr-FR" smtClean="0"/>
+              <a:rPr lang="fr-FR"/>
               <a:t>Modifier les styles du texte du masque</a:t>
             </a:r>
           </a:p>
           <a:p>
             <a:pPr lvl="1"/>
             <a:r>
-              <a:rPr lang="fr-FR" smtClean="0"/>
+              <a:rPr lang="fr-FR"/>
               <a:t>Deuxième niveau</a:t>
             </a:r>
           </a:p>
           <a:p>
             <a:pPr lvl="2"/>
             <a:r>
-              <a:rPr lang="fr-FR" smtClean="0"/>
+              <a:rPr lang="fr-FR"/>
               <a:t>Troisième niveau</a:t>
             </a:r>
           </a:p>
           <a:p>
             <a:pPr lvl="3"/>
             <a:r>
-              <a:rPr lang="fr-FR" smtClean="0"/>
+              <a:rPr lang="fr-FR"/>
               <a:t>Quatrième niveau</a:t>
             </a:r>
           </a:p>
           <a:p>
             <a:pPr lvl="4"/>
             <a:r>
-              <a:rPr lang="fr-FR" smtClean="0"/>
+              <a:rPr lang="fr-FR"/>
               <a:t>Cinquième niveau</a:t>
             </a:r>
-            <a:endParaRPr lang="fr-FR"/>
           </a:p>
         </p:txBody>
       </p:sp>
@@ -1194,38 +1183,37 @@
           <a:p>
             <a:pPr lvl="0"/>
             <a:r>
-              <a:rPr lang="fr-FR" smtClean="0"/>
+              <a:rPr lang="fr-FR"/>
               <a:t>Modifier les styles du texte du masque</a:t>
             </a:r>
           </a:p>
           <a:p>
             <a:pPr lvl="1"/>
             <a:r>
-              <a:rPr lang="fr-FR" smtClean="0"/>
+              <a:rPr lang="fr-FR"/>
               <a:t>Deuxième niveau</a:t>
             </a:r>
           </a:p>
           <a:p>
             <a:pPr lvl="2"/>
             <a:r>
-              <a:rPr lang="fr-FR" smtClean="0"/>
+              <a:rPr lang="fr-FR"/>
               <a:t>Troisième niveau</a:t>
             </a:r>
           </a:p>
           <a:p>
             <a:pPr lvl="3"/>
             <a:r>
-              <a:rPr lang="fr-FR" smtClean="0"/>
+              <a:rPr lang="fr-FR"/>
               <a:t>Quatrième niveau</a:t>
             </a:r>
           </a:p>
           <a:p>
             <a:pPr lvl="4"/>
             <a:r>
-              <a:rPr lang="fr-FR" smtClean="0"/>
+              <a:rPr lang="fr-FR"/>
               <a:t>Cinquième niveau</a:t>
             </a:r>
-            <a:endParaRPr lang="fr-FR"/>
           </a:p>
         </p:txBody>
       </p:sp>
@@ -1246,7 +1234,7 @@
           <a:p>
             <a:fld id="{8444DC98-2940-4FA3-A7AA-7B457F1FCBF6}" type="datetimeFigureOut">
               <a:rPr lang="fr-FR" smtClean="0"/>
-              <a:t>03/04/2023</a:t>
+              <a:t>04/07/2023</a:t>
             </a:fld>
             <a:endParaRPr lang="fr-FR"/>
           </a:p>
@@ -1288,7 +1276,7 @@
           <a:p>
             <a:fld id="{B5AC85E1-3364-4576-8CA6-72A7B8B669EA}" type="slidenum">
               <a:rPr lang="fr-FR" smtClean="0"/>
-              <a:t>‹N°›</a:t>
+              <a:t>‹#›</a:t>
             </a:fld>
             <a:endParaRPr lang="fr-FR"/>
           </a:p>
@@ -1345,10 +1333,9 @@
           <a:lstStyle/>
           <a:p>
             <a:r>
-              <a:rPr lang="fr-FR" smtClean="0"/>
+              <a:rPr lang="fr-FR"/>
               <a:t>Modifiez le style du titre</a:t>
             </a:r>
-            <a:endParaRPr lang="fr-FR"/>
           </a:p>
         </p:txBody>
       </p:sp>
@@ -1411,7 +1398,7 @@
           <a:p>
             <a:pPr lvl="0"/>
             <a:r>
-              <a:rPr lang="fr-FR" smtClean="0"/>
+              <a:rPr lang="fr-FR"/>
               <a:t>Modifier les styles du texte du masque</a:t>
             </a:r>
           </a:p>
@@ -1439,38 +1426,37 @@
           <a:p>
             <a:pPr lvl="0"/>
             <a:r>
-              <a:rPr lang="fr-FR" smtClean="0"/>
+              <a:rPr lang="fr-FR"/>
               <a:t>Modifier les styles du texte du masque</a:t>
             </a:r>
           </a:p>
           <a:p>
             <a:pPr lvl="1"/>
             <a:r>
-              <a:rPr lang="fr-FR" smtClean="0"/>
+              <a:rPr lang="fr-FR"/>
               <a:t>Deuxième niveau</a:t>
             </a:r>
           </a:p>
           <a:p>
             <a:pPr lvl="2"/>
             <a:r>
-              <a:rPr lang="fr-FR" smtClean="0"/>
+              <a:rPr lang="fr-FR"/>
               <a:t>Troisième niveau</a:t>
             </a:r>
           </a:p>
           <a:p>
             <a:pPr lvl="3"/>
             <a:r>
-              <a:rPr lang="fr-FR" smtClean="0"/>
+              <a:rPr lang="fr-FR"/>
               <a:t>Quatrième niveau</a:t>
             </a:r>
           </a:p>
           <a:p>
             <a:pPr lvl="4"/>
             <a:r>
-              <a:rPr lang="fr-FR" smtClean="0"/>
+              <a:rPr lang="fr-FR"/>
               <a:t>Cinquième niveau</a:t>
             </a:r>
-            <a:endParaRPr lang="fr-FR"/>
           </a:p>
         </p:txBody>
       </p:sp>
@@ -1533,7 +1519,7 @@
           <a:p>
             <a:pPr lvl="0"/>
             <a:r>
-              <a:rPr lang="fr-FR" smtClean="0"/>
+              <a:rPr lang="fr-FR"/>
               <a:t>Modifier les styles du texte du masque</a:t>
             </a:r>
           </a:p>
@@ -1561,38 +1547,37 @@
           <a:p>
             <a:pPr lvl="0"/>
             <a:r>
-              <a:rPr lang="fr-FR" smtClean="0"/>
+              <a:rPr lang="fr-FR"/>
               <a:t>Modifier les styles du texte du masque</a:t>
             </a:r>
           </a:p>
           <a:p>
             <a:pPr lvl="1"/>
             <a:r>
-              <a:rPr lang="fr-FR" smtClean="0"/>
+              <a:rPr lang="fr-FR"/>
               <a:t>Deuxième niveau</a:t>
             </a:r>
           </a:p>
           <a:p>
             <a:pPr lvl="2"/>
             <a:r>
-              <a:rPr lang="fr-FR" smtClean="0"/>
+              <a:rPr lang="fr-FR"/>
               <a:t>Troisième niveau</a:t>
             </a:r>
           </a:p>
           <a:p>
             <a:pPr lvl="3"/>
             <a:r>
-              <a:rPr lang="fr-FR" smtClean="0"/>
+              <a:rPr lang="fr-FR"/>
               <a:t>Quatrième niveau</a:t>
             </a:r>
           </a:p>
           <a:p>
             <a:pPr lvl="4"/>
             <a:r>
-              <a:rPr lang="fr-FR" smtClean="0"/>
+              <a:rPr lang="fr-FR"/>
               <a:t>Cinquième niveau</a:t>
             </a:r>
-            <a:endParaRPr lang="fr-FR"/>
           </a:p>
         </p:txBody>
       </p:sp>
@@ -1613,7 +1598,7 @@
           <a:p>
             <a:fld id="{8444DC98-2940-4FA3-A7AA-7B457F1FCBF6}" type="datetimeFigureOut">
               <a:rPr lang="fr-FR" smtClean="0"/>
-              <a:t>03/04/2023</a:t>
+              <a:t>04/07/2023</a:t>
             </a:fld>
             <a:endParaRPr lang="fr-FR"/>
           </a:p>
@@ -1655,7 +1640,7 @@
           <a:p>
             <a:fld id="{B5AC85E1-3364-4576-8CA6-72A7B8B669EA}" type="slidenum">
               <a:rPr lang="fr-FR" smtClean="0"/>
-              <a:t>‹N°›</a:t>
+              <a:t>‹#›</a:t>
             </a:fld>
             <a:endParaRPr lang="fr-FR"/>
           </a:p>
@@ -1707,10 +1692,9 @@
           <a:lstStyle/>
           <a:p>
             <a:r>
-              <a:rPr lang="fr-FR" smtClean="0"/>
+              <a:rPr lang="fr-FR"/>
               <a:t>Modifiez le style du titre</a:t>
             </a:r>
-            <a:endParaRPr lang="fr-FR"/>
           </a:p>
         </p:txBody>
       </p:sp>
@@ -1731,7 +1715,7 @@
           <a:p>
             <a:fld id="{8444DC98-2940-4FA3-A7AA-7B457F1FCBF6}" type="datetimeFigureOut">
               <a:rPr lang="fr-FR" smtClean="0"/>
-              <a:t>03/04/2023</a:t>
+              <a:t>04/07/2023</a:t>
             </a:fld>
             <a:endParaRPr lang="fr-FR"/>
           </a:p>
@@ -1773,7 +1757,7 @@
           <a:p>
             <a:fld id="{B5AC85E1-3364-4576-8CA6-72A7B8B669EA}" type="slidenum">
               <a:rPr lang="fr-FR" smtClean="0"/>
-              <a:t>‹N°›</a:t>
+              <a:t>‹#›</a:t>
             </a:fld>
             <a:endParaRPr lang="fr-FR"/>
           </a:p>
@@ -1826,7 +1810,7 @@
           <a:p>
             <a:fld id="{8444DC98-2940-4FA3-A7AA-7B457F1FCBF6}" type="datetimeFigureOut">
               <a:rPr lang="fr-FR" smtClean="0"/>
-              <a:t>03/04/2023</a:t>
+              <a:t>04/07/2023</a:t>
             </a:fld>
             <a:endParaRPr lang="fr-FR"/>
           </a:p>
@@ -1868,7 +1852,7 @@
           <a:p>
             <a:fld id="{B5AC85E1-3364-4576-8CA6-72A7B8B669EA}" type="slidenum">
               <a:rPr lang="fr-FR" smtClean="0"/>
-              <a:t>‹N°›</a:t>
+              <a:t>‹#›</a:t>
             </a:fld>
             <a:endParaRPr lang="fr-FR"/>
           </a:p>
@@ -1929,10 +1913,9 @@
           </a:lstStyle>
           <a:p>
             <a:r>
-              <a:rPr lang="fr-FR" smtClean="0"/>
+              <a:rPr lang="fr-FR"/>
               <a:t>Modifiez le style du titre</a:t>
             </a:r>
-            <a:endParaRPr lang="fr-FR"/>
           </a:p>
         </p:txBody>
       </p:sp>
@@ -1986,38 +1969,37 @@
           <a:p>
             <a:pPr lvl="0"/>
             <a:r>
-              <a:rPr lang="fr-FR" smtClean="0"/>
+              <a:rPr lang="fr-FR"/>
               <a:t>Modifier les styles du texte du masque</a:t>
             </a:r>
           </a:p>
           <a:p>
             <a:pPr lvl="1"/>
             <a:r>
-              <a:rPr lang="fr-FR" smtClean="0"/>
+              <a:rPr lang="fr-FR"/>
               <a:t>Deuxième niveau</a:t>
             </a:r>
           </a:p>
           <a:p>
             <a:pPr lvl="2"/>
             <a:r>
-              <a:rPr lang="fr-FR" smtClean="0"/>
+              <a:rPr lang="fr-FR"/>
               <a:t>Troisième niveau</a:t>
             </a:r>
           </a:p>
           <a:p>
             <a:pPr lvl="3"/>
             <a:r>
-              <a:rPr lang="fr-FR" smtClean="0"/>
+              <a:rPr lang="fr-FR"/>
               <a:t>Quatrième niveau</a:t>
             </a:r>
           </a:p>
           <a:p>
             <a:pPr lvl="4"/>
             <a:r>
-              <a:rPr lang="fr-FR" smtClean="0"/>
+              <a:rPr lang="fr-FR"/>
               <a:t>Cinquième niveau</a:t>
             </a:r>
-            <a:endParaRPr lang="fr-FR"/>
           </a:p>
         </p:txBody>
       </p:sp>
@@ -2080,7 +2062,7 @@
           <a:p>
             <a:pPr lvl="0"/>
             <a:r>
-              <a:rPr lang="fr-FR" smtClean="0"/>
+              <a:rPr lang="fr-FR"/>
               <a:t>Modifier les styles du texte du masque</a:t>
             </a:r>
           </a:p>
@@ -2103,7 +2085,7 @@
           <a:p>
             <a:fld id="{8444DC98-2940-4FA3-A7AA-7B457F1FCBF6}" type="datetimeFigureOut">
               <a:rPr lang="fr-FR" smtClean="0"/>
-              <a:t>03/04/2023</a:t>
+              <a:t>04/07/2023</a:t>
             </a:fld>
             <a:endParaRPr lang="fr-FR"/>
           </a:p>
@@ -2145,7 +2127,7 @@
           <a:p>
             <a:fld id="{B5AC85E1-3364-4576-8CA6-72A7B8B669EA}" type="slidenum">
               <a:rPr lang="fr-FR" smtClean="0"/>
-              <a:t>‹N°›</a:t>
+              <a:t>‹#›</a:t>
             </a:fld>
             <a:endParaRPr lang="fr-FR"/>
           </a:p>
@@ -2206,10 +2188,9 @@
           </a:lstStyle>
           <a:p>
             <a:r>
-              <a:rPr lang="fr-FR" smtClean="0"/>
+              <a:rPr lang="fr-FR"/>
               <a:t>Modifiez le style du titre</a:t>
             </a:r>
-            <a:endParaRPr lang="fr-FR"/>
           </a:p>
         </p:txBody>
       </p:sp>
@@ -2333,7 +2314,7 @@
           <a:p>
             <a:pPr lvl="0"/>
             <a:r>
-              <a:rPr lang="fr-FR" smtClean="0"/>
+              <a:rPr lang="fr-FR"/>
               <a:t>Modifier les styles du texte du masque</a:t>
             </a:r>
           </a:p>
@@ -2356,7 +2337,7 @@
           <a:p>
             <a:fld id="{8444DC98-2940-4FA3-A7AA-7B457F1FCBF6}" type="datetimeFigureOut">
               <a:rPr lang="fr-FR" smtClean="0"/>
-              <a:t>03/04/2023</a:t>
+              <a:t>04/07/2023</a:t>
             </a:fld>
             <a:endParaRPr lang="fr-FR"/>
           </a:p>
@@ -2398,7 +2379,7 @@
           <a:p>
             <a:fld id="{B5AC85E1-3364-4576-8CA6-72A7B8B669EA}" type="slidenum">
               <a:rPr lang="fr-FR" smtClean="0"/>
-              <a:t>‹N°›</a:t>
+              <a:t>‹#›</a:t>
             </a:fld>
             <a:endParaRPr lang="fr-FR"/>
           </a:p>
@@ -2465,10 +2446,9 @@
           <a:lstStyle/>
           <a:p>
             <a:r>
-              <a:rPr lang="fr-FR" smtClean="0"/>
+              <a:rPr lang="fr-FR"/>
               <a:t>Modifiez le style du titre</a:t>
             </a:r>
-            <a:endParaRPr lang="fr-FR"/>
           </a:p>
         </p:txBody>
       </p:sp>
@@ -2499,38 +2479,37 @@
           <a:p>
             <a:pPr lvl="0"/>
             <a:r>
-              <a:rPr lang="fr-FR" smtClean="0"/>
+              <a:rPr lang="fr-FR"/>
               <a:t>Modifier les styles du texte du masque</a:t>
             </a:r>
           </a:p>
           <a:p>
             <a:pPr lvl="1"/>
             <a:r>
-              <a:rPr lang="fr-FR" smtClean="0"/>
+              <a:rPr lang="fr-FR"/>
               <a:t>Deuxième niveau</a:t>
             </a:r>
           </a:p>
           <a:p>
             <a:pPr lvl="2"/>
             <a:r>
-              <a:rPr lang="fr-FR" smtClean="0"/>
+              <a:rPr lang="fr-FR"/>
               <a:t>Troisième niveau</a:t>
             </a:r>
           </a:p>
           <a:p>
             <a:pPr lvl="3"/>
             <a:r>
-              <a:rPr lang="fr-FR" smtClean="0"/>
+              <a:rPr lang="fr-FR"/>
               <a:t>Quatrième niveau</a:t>
             </a:r>
           </a:p>
           <a:p>
             <a:pPr lvl="4"/>
             <a:r>
-              <a:rPr lang="fr-FR" smtClean="0"/>
+              <a:rPr lang="fr-FR"/>
               <a:t>Cinquième niveau</a:t>
             </a:r>
-            <a:endParaRPr lang="fr-FR"/>
           </a:p>
         </p:txBody>
       </p:sp>
@@ -2569,7 +2548,7 @@
           <a:p>
             <a:fld id="{8444DC98-2940-4FA3-A7AA-7B457F1FCBF6}" type="datetimeFigureOut">
               <a:rPr lang="fr-FR" smtClean="0"/>
-              <a:t>03/04/2023</a:t>
+              <a:t>04/07/2023</a:t>
             </a:fld>
             <a:endParaRPr lang="fr-FR"/>
           </a:p>
@@ -2647,7 +2626,7 @@
           <a:p>
             <a:fld id="{B5AC85E1-3364-4576-8CA6-72A7B8B669EA}" type="slidenum">
               <a:rPr lang="fr-FR" smtClean="0"/>
-              <a:t>‹N°›</a:t>
+              <a:t>‹#›</a:t>
             </a:fld>
             <a:endParaRPr lang="fr-FR"/>
           </a:p>
@@ -2997,18 +2976,9 @@
           <a:lstStyle/>
           <a:p>
             <a:r>
-              <a:rPr lang="fr-FR" dirty="0" err="1" smtClean="0"/>
-              <a:t>Circulating</a:t>
-            </a:r>
-            <a:r>
-              <a:rPr lang="fr-FR" dirty="0" smtClean="0"/>
-              <a:t> </a:t>
-            </a:r>
-            <a:r>
-              <a:rPr lang="fr-FR" dirty="0" err="1" smtClean="0"/>
-              <a:t>fields</a:t>
-            </a:r>
-            <a:endParaRPr lang="fr-FR" dirty="0"/>
+              <a:rPr lang="fr-FR" dirty="0"/>
+              <a:t>Faisceaux sur B4</a:t>
+            </a:r>
           </a:p>
         </p:txBody>
       </p:sp>
@@ -3034,25 +3004,24 @@
           <a:p>
             <a:pPr algn="l"/>
             <a:r>
-              <a:rPr lang="fr-FR" dirty="0" err="1" smtClean="0"/>
+              <a:rPr lang="fr-FR" dirty="0" err="1"/>
               <a:t>PRM_RoC</a:t>
             </a:r>
             <a:r>
-              <a:rPr lang="fr-FR" dirty="0" smtClean="0"/>
+              <a:rPr lang="fr-FR" dirty="0"/>
               <a:t>=1425m</a:t>
             </a:r>
           </a:p>
           <a:p>
             <a:pPr algn="l"/>
             <a:r>
-              <a:rPr lang="fr-FR" dirty="0" err="1" smtClean="0"/>
+              <a:rPr lang="fr-FR" dirty="0" err="1"/>
               <a:t>PRM_tilt</a:t>
             </a:r>
             <a:r>
-              <a:rPr lang="fr-FR" dirty="0" smtClean="0"/>
-              <a:t>=100nm</a:t>
-            </a:r>
-            <a:endParaRPr lang="fr-FR" dirty="0"/>
+              <a:rPr lang="fr-FR" dirty="0"/>
+              <a:t>=100nrad</a:t>
+            </a:r>
           </a:p>
         </p:txBody>
       </p:sp>
@@ -3197,25 +3166,24 @@
           <a:p>
             <a:pPr algn="l"/>
             <a:r>
-              <a:rPr lang="fr-FR" dirty="0" err="1" smtClean="0"/>
+              <a:rPr lang="fr-FR" dirty="0" err="1"/>
               <a:t>PRM_RoC</a:t>
             </a:r>
             <a:r>
-              <a:rPr lang="fr-FR" dirty="0" smtClean="0"/>
+              <a:rPr lang="fr-FR" dirty="0"/>
               <a:t>=1427m</a:t>
             </a:r>
           </a:p>
           <a:p>
             <a:pPr algn="l"/>
             <a:r>
-              <a:rPr lang="fr-FR" dirty="0" err="1" smtClean="0"/>
+              <a:rPr lang="fr-FR" dirty="0" err="1"/>
               <a:t>PRM_tilt</a:t>
             </a:r>
             <a:r>
-              <a:rPr lang="fr-FR" dirty="0" smtClean="0"/>
-              <a:t>=100nm</a:t>
-            </a:r>
-            <a:endParaRPr lang="fr-FR" dirty="0"/>
+              <a:rPr lang="fr-FR" dirty="0"/>
+              <a:t>=100nrad</a:t>
+            </a:r>
           </a:p>
         </p:txBody>
       </p:sp>
@@ -3350,10 +3318,9 @@
           </a:lstStyle>
           <a:p>
             <a:r>
-              <a:rPr lang="fr-FR" smtClean="0"/>
-              <a:t>Circulating fields</a:t>
-            </a:r>
-            <a:endParaRPr lang="fr-FR" dirty="0"/>
+              <a:rPr lang="fr-FR" dirty="0"/>
+              <a:t>Faisceaux sur B4</a:t>
+            </a:r>
           </a:p>
         </p:txBody>
       </p:sp>
@@ -3409,25 +3376,24 @@
           <a:p>
             <a:pPr algn="l"/>
             <a:r>
-              <a:rPr lang="fr-FR" dirty="0" err="1" smtClean="0"/>
+              <a:rPr lang="fr-FR" dirty="0" err="1"/>
               <a:t>PRM_RoC</a:t>
             </a:r>
             <a:r>
-              <a:rPr lang="fr-FR" dirty="0" smtClean="0"/>
+              <a:rPr lang="fr-FR" dirty="0"/>
               <a:t>=1429m</a:t>
             </a:r>
           </a:p>
           <a:p>
             <a:pPr algn="l"/>
             <a:r>
-              <a:rPr lang="fr-FR" dirty="0" err="1" smtClean="0"/>
+              <a:rPr lang="fr-FR" dirty="0" err="1"/>
               <a:t>PRM_tilt</a:t>
             </a:r>
             <a:r>
-              <a:rPr lang="fr-FR" dirty="0" smtClean="0"/>
-              <a:t>=100nm</a:t>
-            </a:r>
-            <a:endParaRPr lang="fr-FR" dirty="0"/>
+              <a:rPr lang="fr-FR" dirty="0"/>
+              <a:t>=100nrad</a:t>
+            </a:r>
           </a:p>
         </p:txBody>
       </p:sp>
@@ -3543,18 +3509,9 @@
           <a:lstStyle/>
           <a:p>
             <a:r>
-              <a:rPr lang="fr-FR" dirty="0" err="1" smtClean="0"/>
-              <a:t>Circulating</a:t>
-            </a:r>
-            <a:r>
-              <a:rPr lang="fr-FR" dirty="0" smtClean="0"/>
-              <a:t> </a:t>
-            </a:r>
-            <a:r>
-              <a:rPr lang="fr-FR" dirty="0" err="1" smtClean="0"/>
-              <a:t>fields</a:t>
-            </a:r>
-            <a:endParaRPr lang="fr-FR" dirty="0"/>
+              <a:rPr lang="fr-FR" dirty="0"/>
+              <a:t>Faisceaux sur B4</a:t>
+            </a:r>
           </a:p>
         </p:txBody>
       </p:sp>
@@ -3610,25 +3567,24 @@
           <a:p>
             <a:pPr algn="l"/>
             <a:r>
-              <a:rPr lang="fr-FR" dirty="0" err="1" smtClean="0"/>
+              <a:rPr lang="fr-FR" dirty="0" err="1"/>
               <a:t>PRM_RoC</a:t>
             </a:r>
             <a:r>
-              <a:rPr lang="fr-FR" dirty="0" smtClean="0"/>
+              <a:rPr lang="fr-FR" dirty="0"/>
               <a:t>=1431m</a:t>
             </a:r>
           </a:p>
           <a:p>
             <a:pPr algn="l"/>
             <a:r>
-              <a:rPr lang="fr-FR" dirty="0" err="1" smtClean="0"/>
+              <a:rPr lang="fr-FR" dirty="0" err="1"/>
               <a:t>PRM_tilt</a:t>
             </a:r>
             <a:r>
-              <a:rPr lang="fr-FR" dirty="0" smtClean="0"/>
-              <a:t>=100nm</a:t>
-            </a:r>
-            <a:endParaRPr lang="fr-FR" dirty="0"/>
+              <a:rPr lang="fr-FR" dirty="0"/>
+              <a:t>=100nrad</a:t>
+            </a:r>
           </a:p>
         </p:txBody>
       </p:sp>
@@ -3744,18 +3700,9 @@
           <a:lstStyle/>
           <a:p>
             <a:r>
-              <a:rPr lang="fr-FR" dirty="0" err="1" smtClean="0"/>
-              <a:t>Circulating</a:t>
-            </a:r>
-            <a:r>
-              <a:rPr lang="fr-FR" dirty="0" smtClean="0"/>
-              <a:t> </a:t>
-            </a:r>
-            <a:r>
-              <a:rPr lang="fr-FR" dirty="0" err="1" smtClean="0"/>
-              <a:t>fields</a:t>
-            </a:r>
-            <a:endParaRPr lang="fr-FR" dirty="0"/>
+              <a:rPr lang="fr-FR" dirty="0"/>
+              <a:t>Faisceaux sur B4</a:t>
+            </a:r>
           </a:p>
         </p:txBody>
       </p:sp>
@@ -3811,25 +3758,24 @@
           <a:p>
             <a:pPr algn="l"/>
             <a:r>
-              <a:rPr lang="fr-FR" dirty="0" err="1" smtClean="0"/>
+              <a:rPr lang="fr-FR" dirty="0" err="1"/>
               <a:t>PRM_RoC</a:t>
             </a:r>
             <a:r>
-              <a:rPr lang="fr-FR" dirty="0" smtClean="0"/>
+              <a:rPr lang="fr-FR" dirty="0"/>
               <a:t>=1433m</a:t>
             </a:r>
           </a:p>
           <a:p>
             <a:pPr algn="l"/>
             <a:r>
-              <a:rPr lang="fr-FR" dirty="0" err="1" smtClean="0"/>
+              <a:rPr lang="fr-FR" dirty="0" err="1"/>
               <a:t>PRM_tilt</a:t>
             </a:r>
             <a:r>
-              <a:rPr lang="fr-FR" dirty="0" smtClean="0"/>
-              <a:t>=100nm</a:t>
-            </a:r>
-            <a:endParaRPr lang="fr-FR" dirty="0"/>
+              <a:rPr lang="fr-FR" dirty="0"/>
+              <a:t>=100nrad</a:t>
+            </a:r>
           </a:p>
         </p:txBody>
       </p:sp>
@@ -3964,10 +3910,9 @@
           </a:lstStyle>
           <a:p>
             <a:r>
-              <a:rPr lang="fr-FR" smtClean="0"/>
-              <a:t>Circulating fields</a:t>
-            </a:r>
-            <a:endParaRPr lang="fr-FR" dirty="0"/>
+              <a:rPr lang="fr-FR" dirty="0"/>
+              <a:t>Faisceaux sur B4</a:t>
+            </a:r>
           </a:p>
         </p:txBody>
       </p:sp>
@@ -4023,25 +3968,24 @@
           <a:p>
             <a:pPr algn="l"/>
             <a:r>
-              <a:rPr lang="fr-FR" dirty="0" err="1" smtClean="0"/>
+              <a:rPr lang="fr-FR" dirty="0" err="1"/>
               <a:t>PRM_RoC</a:t>
             </a:r>
             <a:r>
-              <a:rPr lang="fr-FR" dirty="0" smtClean="0"/>
+              <a:rPr lang="fr-FR" dirty="0"/>
               <a:t>=1435m</a:t>
             </a:r>
           </a:p>
           <a:p>
             <a:pPr algn="l"/>
             <a:r>
-              <a:rPr lang="fr-FR" dirty="0" err="1" smtClean="0"/>
+              <a:rPr lang="fr-FR" dirty="0" err="1"/>
               <a:t>PRM_tilt</a:t>
             </a:r>
             <a:r>
-              <a:rPr lang="fr-FR" dirty="0" smtClean="0"/>
-              <a:t>=100nm</a:t>
-            </a:r>
-            <a:endParaRPr lang="fr-FR" dirty="0"/>
+              <a:rPr lang="fr-FR" dirty="0"/>
+              <a:t>=100nrad</a:t>
+            </a:r>
           </a:p>
         </p:txBody>
       </p:sp>
@@ -4176,10 +4120,9 @@
           </a:lstStyle>
           <a:p>
             <a:r>
-              <a:rPr lang="fr-FR" smtClean="0"/>
-              <a:t>Circulating fields</a:t>
-            </a:r>
-            <a:endParaRPr lang="fr-FR" dirty="0"/>
+              <a:rPr lang="fr-FR" dirty="0"/>
+              <a:t>Faisceaux sur B4</a:t>
+            </a:r>
           </a:p>
         </p:txBody>
       </p:sp>
